--- a/SpringbootPresentation.pptx
+++ b/SpringbootPresentation.pptx
@@ -10,12 +10,13 @@
     <p:sldId id="261" r:id="rId4"/>
     <p:sldId id="268" r:id="rId5"/>
     <p:sldId id="262" r:id="rId6"/>
-    <p:sldId id="263" r:id="rId7"/>
-    <p:sldId id="264" r:id="rId8"/>
-    <p:sldId id="265" r:id="rId9"/>
-    <p:sldId id="266" r:id="rId10"/>
-    <p:sldId id="267" r:id="rId11"/>
-    <p:sldId id="258" r:id="rId12"/>
+    <p:sldId id="269" r:id="rId7"/>
+    <p:sldId id="263" r:id="rId8"/>
+    <p:sldId id="264" r:id="rId9"/>
+    <p:sldId id="265" r:id="rId10"/>
+    <p:sldId id="266" r:id="rId11"/>
+    <p:sldId id="267" r:id="rId12"/>
+    <p:sldId id="258" r:id="rId13"/>
   </p:sldIdLst>
   <p:sldSz cx="12192000" cy="6858000"/>
   <p:notesSz cx="6858000" cy="9144000"/>
@@ -3401,6 +3402,122 @@
           <p:cNvPr id="2" name="Title 1">
             <a:extLst>
               <a:ext uri="{FF2B5EF4-FFF2-40B4-BE49-F238E27FC236}">
+                <a16:creationId xmlns:a16="http://schemas.microsoft.com/office/drawing/2014/main" id="{83453D54-CBB0-5C43-9B96-3FCC15C06B15}"/>
+              </a:ext>
+            </a:extLst>
+          </p:cNvPr>
+          <p:cNvSpPr>
+            <a:spLocks noGrp="1"/>
+          </p:cNvSpPr>
+          <p:nvPr>
+            <p:ph type="title"/>
+          </p:nvPr>
+        </p:nvSpPr>
+        <p:spPr/>
+        <p:txBody>
+          <a:bodyPr/>
+          <a:lstStyle/>
+          <a:p>
+            <a:r>
+              <a:rPr lang="en-US" dirty="0"/>
+              <a:t>Git actions</a:t>
+            </a:r>
+          </a:p>
+        </p:txBody>
+      </p:sp>
+      <p:pic>
+        <p:nvPicPr>
+          <p:cNvPr id="5" name="Content Placeholder 4" descr="Graphical user interface, application, email&#10;&#10;Description automatically generated">
+            <a:extLst>
+              <a:ext uri="{FF2B5EF4-FFF2-40B4-BE49-F238E27FC236}">
+                <a16:creationId xmlns:a16="http://schemas.microsoft.com/office/drawing/2014/main" id="{8EF82F8B-F4D6-6A4A-80B1-D241F4051F1B}"/>
+              </a:ext>
+            </a:extLst>
+          </p:cNvPr>
+          <p:cNvPicPr>
+            <a:picLocks noGrp="1" noChangeAspect="1"/>
+          </p:cNvPicPr>
+          <p:nvPr>
+            <p:ph idx="1"/>
+          </p:nvPr>
+        </p:nvPicPr>
+        <p:blipFill>
+          <a:blip r:embed="rId2"/>
+          <a:stretch>
+            <a:fillRect/>
+          </a:stretch>
+        </p:blipFill>
+        <p:spPr>
+          <a:xfrm>
+            <a:off x="363415" y="2388207"/>
+            <a:ext cx="6342186" cy="4024316"/>
+          </a:xfrm>
+        </p:spPr>
+      </p:pic>
+      <p:pic>
+        <p:nvPicPr>
+          <p:cNvPr id="7" name="Picture 6" descr="Graphical user interface, application&#10;&#10;Description automatically generated">
+            <a:extLst>
+              <a:ext uri="{FF2B5EF4-FFF2-40B4-BE49-F238E27FC236}">
+                <a16:creationId xmlns:a16="http://schemas.microsoft.com/office/drawing/2014/main" id="{F11F7A5A-755C-6C4B-B892-D5D3ACA6E71F}"/>
+              </a:ext>
+            </a:extLst>
+          </p:cNvPr>
+          <p:cNvPicPr>
+            <a:picLocks noChangeAspect="1"/>
+          </p:cNvPicPr>
+          <p:nvPr/>
+        </p:nvPicPr>
+        <p:blipFill rotWithShape="1">
+          <a:blip r:embed="rId3"/>
+          <a:srcRect l="26770" t="2947"/>
+          <a:stretch/>
+        </p:blipFill>
+        <p:spPr>
+          <a:xfrm>
+            <a:off x="5978769" y="2499431"/>
+            <a:ext cx="6025662" cy="3913092"/>
+          </a:xfrm>
+          <a:prstGeom prst="rect">
+            <a:avLst/>
+          </a:prstGeom>
+        </p:spPr>
+      </p:pic>
+    </p:spTree>
+    <p:extLst>
+      <p:ext uri="{BB962C8B-B14F-4D97-AF65-F5344CB8AC3E}">
+        <p14:creationId xmlns:p14="http://schemas.microsoft.com/office/powerpoint/2010/main" val="1188244670"/>
+      </p:ext>
+    </p:extLst>
+  </p:cSld>
+  <p:clrMapOvr>
+    <a:masterClrMapping/>
+  </p:clrMapOvr>
+</p:sld>
+</file>
+
+<file path=ppt/slides/slide11.xml><?xml version="1.0" encoding="utf-8"?>
+<p:sld xmlns:a="http://schemas.openxmlformats.org/drawingml/2006/main" xmlns:r="http://schemas.openxmlformats.org/officeDocument/2006/relationships" xmlns:p="http://schemas.openxmlformats.org/presentationml/2006/main">
+  <p:cSld>
+    <p:spTree>
+      <p:nvGrpSpPr>
+        <p:cNvPr id="1" name=""/>
+        <p:cNvGrpSpPr/>
+        <p:nvPr/>
+      </p:nvGrpSpPr>
+      <p:grpSpPr>
+        <a:xfrm>
+          <a:off x="0" y="0"/>
+          <a:ext cx="0" cy="0"/>
+          <a:chOff x="0" y="0"/>
+          <a:chExt cx="0" cy="0"/>
+        </a:xfrm>
+      </p:grpSpPr>
+      <p:sp>
+        <p:nvSpPr>
+          <p:cNvPr id="2" name="Title 1">
+            <a:extLst>
+              <a:ext uri="{FF2B5EF4-FFF2-40B4-BE49-F238E27FC236}">
                 <a16:creationId xmlns:a16="http://schemas.microsoft.com/office/drawing/2014/main" id="{CE91F1F4-8DC8-E24A-BFBF-F8598C4266CB}"/>
               </a:ext>
             </a:extLst>
@@ -3459,12 +3576,53 @@
           </a:xfrm>
         </p:spPr>
       </p:pic>
+      <p:cxnSp>
+        <p:nvCxnSpPr>
+          <p:cNvPr id="9" name="Straight Connector 8">
+            <a:extLst>
+              <a:ext uri="{FF2B5EF4-FFF2-40B4-BE49-F238E27FC236}">
+                <a16:creationId xmlns:a16="http://schemas.microsoft.com/office/drawing/2014/main" id="{CE699DC7-4AFC-9B4D-9328-EC6980A17D91}"/>
+              </a:ext>
+            </a:extLst>
+          </p:cNvPr>
+          <p:cNvCxnSpPr/>
+          <p:nvPr/>
+        </p:nvCxnSpPr>
+        <p:spPr>
+          <a:xfrm>
+            <a:off x="3704492" y="2930769"/>
+            <a:ext cx="1043354" cy="0"/>
+          </a:xfrm>
+          <a:prstGeom prst="line">
+            <a:avLst/>
+          </a:prstGeom>
+          <a:ln w="38100">
+            <a:solidFill>
+              <a:srgbClr val="FF0000"/>
+            </a:solidFill>
+          </a:ln>
+        </p:spPr>
+        <p:style>
+          <a:lnRef idx="1">
+            <a:schemeClr val="accent1"/>
+          </a:lnRef>
+          <a:fillRef idx="0">
+            <a:schemeClr val="accent1"/>
+          </a:fillRef>
+          <a:effectRef idx="0">
+            <a:schemeClr val="accent1"/>
+          </a:effectRef>
+          <a:fontRef idx="minor">
+            <a:schemeClr val="tx1"/>
+          </a:fontRef>
+        </p:style>
+      </p:cxnSp>
       <p:pic>
         <p:nvPicPr>
-          <p:cNvPr id="7" name="Picture 6" descr="A screenshot of a computer&#10;&#10;Description automatically generated">
+          <p:cNvPr id="12" name="Picture 11" descr="A screenshot of a computer&#10;&#10;Description automatically generated">
             <a:extLst>
               <a:ext uri="{FF2B5EF4-FFF2-40B4-BE49-F238E27FC236}">
-                <a16:creationId xmlns:a16="http://schemas.microsoft.com/office/drawing/2014/main" id="{996D6343-E685-1D42-B2D5-E5CF4F9D15EB}"/>
+                <a16:creationId xmlns:a16="http://schemas.microsoft.com/office/drawing/2014/main" id="{AA7F92EA-2283-F94D-A7C7-A602662D9C57}"/>
               </a:ext>
             </a:extLst>
           </p:cNvPr>
@@ -3481,55 +3639,14 @@
         </p:blipFill>
         <p:spPr>
           <a:xfrm>
-            <a:off x="4959777" y="3294186"/>
-            <a:ext cx="7361554" cy="3510328"/>
+            <a:off x="5055250" y="2930768"/>
+            <a:ext cx="7136749" cy="3416529"/>
           </a:xfrm>
           <a:prstGeom prst="rect">
             <a:avLst/>
           </a:prstGeom>
         </p:spPr>
       </p:pic>
-      <p:cxnSp>
-        <p:nvCxnSpPr>
-          <p:cNvPr id="9" name="Straight Connector 8">
-            <a:extLst>
-              <a:ext uri="{FF2B5EF4-FFF2-40B4-BE49-F238E27FC236}">
-                <a16:creationId xmlns:a16="http://schemas.microsoft.com/office/drawing/2014/main" id="{CE699DC7-4AFC-9B4D-9328-EC6980A17D91}"/>
-              </a:ext>
-            </a:extLst>
-          </p:cNvPr>
-          <p:cNvCxnSpPr/>
-          <p:nvPr/>
-        </p:nvCxnSpPr>
-        <p:spPr>
-          <a:xfrm>
-            <a:off x="3704492" y="2930769"/>
-            <a:ext cx="1043354" cy="0"/>
-          </a:xfrm>
-          <a:prstGeom prst="line">
-            <a:avLst/>
-          </a:prstGeom>
-          <a:ln w="38100">
-            <a:solidFill>
-              <a:srgbClr val="FF0000"/>
-            </a:solidFill>
-          </a:ln>
-        </p:spPr>
-        <p:style>
-          <a:lnRef idx="1">
-            <a:schemeClr val="accent1"/>
-          </a:lnRef>
-          <a:fillRef idx="0">
-            <a:schemeClr val="accent1"/>
-          </a:fillRef>
-          <a:effectRef idx="0">
-            <a:schemeClr val="accent1"/>
-          </a:effectRef>
-          <a:fontRef idx="minor">
-            <a:schemeClr val="tx1"/>
-          </a:fontRef>
-        </p:style>
-      </p:cxnSp>
       <p:cxnSp>
         <p:nvCxnSpPr>
           <p:cNvPr id="10" name="Straight Connector 9">
@@ -3544,7 +3661,7 @@
         </p:nvCxnSpPr>
         <p:spPr>
           <a:xfrm>
-            <a:off x="9237785" y="5287108"/>
+            <a:off x="9167446" y="4911969"/>
             <a:ext cx="1043354" cy="0"/>
           </a:xfrm>
           <a:prstGeom prst="line">
@@ -3584,7 +3701,7 @@
 </p:sld>
 </file>
 
-<file path=ppt/slides/slide11.xml><?xml version="1.0" encoding="utf-8"?>
+<file path=ppt/slides/slide12.xml><?xml version="1.0" encoding="utf-8"?>
 <p:sld xmlns:a="http://schemas.openxmlformats.org/drawingml/2006/main" xmlns:r="http://schemas.openxmlformats.org/officeDocument/2006/relationships" xmlns:p="http://schemas.openxmlformats.org/presentationml/2006/main">
   <p:cSld>
     <p:spTree>
@@ -4273,7 +4390,7 @@
           <p:cNvPr id="2" name="Title 1">
             <a:extLst>
               <a:ext uri="{FF2B5EF4-FFF2-40B4-BE49-F238E27FC236}">
-                <a16:creationId xmlns:a16="http://schemas.microsoft.com/office/drawing/2014/main" id="{4E30D7B8-1108-C345-AE80-057DB89D6932}"/>
+                <a16:creationId xmlns:a16="http://schemas.microsoft.com/office/drawing/2014/main" id="{F82FEA5A-5858-3B4E-BC6B-795B71F9F881}"/>
               </a:ext>
             </a:extLst>
           </p:cNvPr>
@@ -4284,29 +4401,24 @@
             <p:ph type="title"/>
           </p:nvPr>
         </p:nvSpPr>
-        <p:spPr>
-          <a:xfrm>
-            <a:off x="2231136" y="108908"/>
-            <a:ext cx="7729728" cy="1188720"/>
-          </a:xfrm>
-        </p:spPr>
+        <p:spPr/>
         <p:txBody>
           <a:bodyPr/>
           <a:lstStyle/>
           <a:p>
             <a:r>
               <a:rPr lang="en-US" dirty="0"/>
-              <a:t>POSTMAN</a:t>
+              <a:t>Unit tests</a:t>
             </a:r>
           </a:p>
         </p:txBody>
       </p:sp>
       <p:pic>
         <p:nvPicPr>
-          <p:cNvPr id="9" name="Content Placeholder 8" descr="Graphical user interface, text, application, email&#10;&#10;Description automatically generated">
+          <p:cNvPr id="5" name="Content Placeholder 4" descr="Text&#10;&#10;Description automatically generated">
             <a:extLst>
               <a:ext uri="{FF2B5EF4-FFF2-40B4-BE49-F238E27FC236}">
-                <a16:creationId xmlns:a16="http://schemas.microsoft.com/office/drawing/2014/main" id="{513631F4-51CA-8843-BAB0-EFC9EA84F1F4}"/>
+                <a16:creationId xmlns:a16="http://schemas.microsoft.com/office/drawing/2014/main" id="{04F82450-4A4D-4A4C-A901-904A07553366}"/>
               </a:ext>
             </a:extLst>
           </p:cNvPr>
@@ -4325,45 +4437,15 @@
         </p:blipFill>
         <p:spPr>
           <a:xfrm>
-            <a:off x="137491" y="1391412"/>
-            <a:ext cx="5958509" cy="4431323"/>
-          </a:xfrm>
-        </p:spPr>
-      </p:pic>
-      <p:pic>
-        <p:nvPicPr>
-          <p:cNvPr id="11" name="Picture 10" descr="Graphical user interface, text, application, email&#10;&#10;Description automatically generated">
-            <a:extLst>
-              <a:ext uri="{FF2B5EF4-FFF2-40B4-BE49-F238E27FC236}">
-                <a16:creationId xmlns:a16="http://schemas.microsoft.com/office/drawing/2014/main" id="{61DD7662-44DC-204E-BC9C-BED2345CFB90}"/>
-              </a:ext>
-            </a:extLst>
-          </p:cNvPr>
-          <p:cNvPicPr>
-            <a:picLocks noChangeAspect="1"/>
-          </p:cNvPicPr>
-          <p:nvPr/>
-        </p:nvPicPr>
-        <p:blipFill>
-          <a:blip r:embed="rId3"/>
-          <a:stretch>
-            <a:fillRect/>
-          </a:stretch>
-        </p:blipFill>
-        <p:spPr>
-          <a:xfrm>
-            <a:off x="4089478" y="1805354"/>
-            <a:ext cx="7877908" cy="4724400"/>
-          </a:xfrm>
-          <a:prstGeom prst="rect">
-            <a:avLst/>
-          </a:prstGeom>
+            <a:off x="2554355" y="2357071"/>
+            <a:ext cx="7083289" cy="4236253"/>
+          </a:xfrm>
         </p:spPr>
       </p:pic>
     </p:spTree>
     <p:extLst>
       <p:ext uri="{BB962C8B-B14F-4D97-AF65-F5344CB8AC3E}">
-        <p14:creationId xmlns:p14="http://schemas.microsoft.com/office/powerpoint/2010/main" val="157128827"/>
+        <p14:creationId xmlns:p14="http://schemas.microsoft.com/office/powerpoint/2010/main" val="1382364119"/>
       </p:ext>
     </p:extLst>
   </p:cSld>
@@ -4395,7 +4477,7 @@
           <p:cNvPr id="2" name="Title 1">
             <a:extLst>
               <a:ext uri="{FF2B5EF4-FFF2-40B4-BE49-F238E27FC236}">
-                <a16:creationId xmlns:a16="http://schemas.microsoft.com/office/drawing/2014/main" id="{0A9FB5F0-05F9-CB44-BEBD-58A7668C94FA}"/>
+                <a16:creationId xmlns:a16="http://schemas.microsoft.com/office/drawing/2014/main" id="{4E30D7B8-1108-C345-AE80-057DB89D6932}"/>
               </a:ext>
             </a:extLst>
           </p:cNvPr>
@@ -4408,7 +4490,7 @@
         </p:nvSpPr>
         <p:spPr>
           <a:xfrm>
-            <a:off x="2231136" y="167523"/>
+            <a:off x="2231136" y="108908"/>
             <a:ext cx="7729728" cy="1188720"/>
           </a:xfrm>
         </p:spPr>
@@ -4418,17 +4500,17 @@
           <a:p>
             <a:r>
               <a:rPr lang="en-US" dirty="0"/>
-              <a:t>Cucumber</a:t>
+              <a:t>POSTMAN</a:t>
             </a:r>
           </a:p>
         </p:txBody>
       </p:sp>
       <p:pic>
         <p:nvPicPr>
-          <p:cNvPr id="13" name="Content Placeholder 12" descr="Text&#10;&#10;Description automatically generated">
+          <p:cNvPr id="9" name="Content Placeholder 8" descr="Graphical user interface, text, application, email&#10;&#10;Description automatically generated">
             <a:extLst>
               <a:ext uri="{FF2B5EF4-FFF2-40B4-BE49-F238E27FC236}">
-                <a16:creationId xmlns:a16="http://schemas.microsoft.com/office/drawing/2014/main" id="{BE208482-BAD2-8043-B503-1E81D0830E34}"/>
+                <a16:creationId xmlns:a16="http://schemas.microsoft.com/office/drawing/2014/main" id="{513631F4-51CA-8843-BAB0-EFC9EA84F1F4}"/>
               </a:ext>
             </a:extLst>
           </p:cNvPr>
@@ -4447,17 +4529,17 @@
         </p:blipFill>
         <p:spPr>
           <a:xfrm>
-            <a:off x="93785" y="1489563"/>
-            <a:ext cx="6224953" cy="3322109"/>
+            <a:off x="137491" y="1391412"/>
+            <a:ext cx="5958509" cy="4431323"/>
           </a:xfrm>
         </p:spPr>
       </p:pic>
       <p:pic>
         <p:nvPicPr>
-          <p:cNvPr id="15" name="Picture 14" descr="Text&#10;&#10;Description automatically generated">
+          <p:cNvPr id="11" name="Picture 10" descr="Graphical user interface, text, application, email&#10;&#10;Description automatically generated">
             <a:extLst>
               <a:ext uri="{FF2B5EF4-FFF2-40B4-BE49-F238E27FC236}">
-                <a16:creationId xmlns:a16="http://schemas.microsoft.com/office/drawing/2014/main" id="{CB7A8194-7F15-9249-8FDD-77E29029A56C}"/>
+                <a16:creationId xmlns:a16="http://schemas.microsoft.com/office/drawing/2014/main" id="{61DD7662-44DC-204E-BC9C-BED2345CFB90}"/>
               </a:ext>
             </a:extLst>
           </p:cNvPr>
@@ -4474,38 +4556,8 @@
         </p:blipFill>
         <p:spPr>
           <a:xfrm>
-            <a:off x="5833390" y="1593606"/>
-            <a:ext cx="6264825" cy="3774831"/>
-          </a:xfrm>
-          <a:prstGeom prst="rect">
-            <a:avLst/>
-          </a:prstGeom>
-        </p:spPr>
-      </p:pic>
-      <p:pic>
-        <p:nvPicPr>
-          <p:cNvPr id="17" name="Picture 16" descr="Graphical user interface, text&#10;&#10;Description automatically generated">
-            <a:extLst>
-              <a:ext uri="{FF2B5EF4-FFF2-40B4-BE49-F238E27FC236}">
-                <a16:creationId xmlns:a16="http://schemas.microsoft.com/office/drawing/2014/main" id="{6B564515-D59C-0349-88A9-5815A3E815EE}"/>
-              </a:ext>
-            </a:extLst>
-          </p:cNvPr>
-          <p:cNvPicPr>
-            <a:picLocks noChangeAspect="1"/>
-          </p:cNvPicPr>
-          <p:nvPr/>
-        </p:nvPicPr>
-        <p:blipFill>
-          <a:blip r:embed="rId4"/>
-          <a:stretch>
-            <a:fillRect/>
-          </a:stretch>
-        </p:blipFill>
-        <p:spPr>
-          <a:xfrm>
-            <a:off x="363414" y="4594803"/>
-            <a:ext cx="10480431" cy="2140369"/>
+            <a:off x="4089478" y="1805354"/>
+            <a:ext cx="7877908" cy="4724400"/>
           </a:xfrm>
           <a:prstGeom prst="rect">
             <a:avLst/>
@@ -4515,7 +4567,7 @@
     </p:spTree>
     <p:extLst>
       <p:ext uri="{BB962C8B-B14F-4D97-AF65-F5344CB8AC3E}">
-        <p14:creationId xmlns:p14="http://schemas.microsoft.com/office/powerpoint/2010/main" val="1147286376"/>
+        <p14:creationId xmlns:p14="http://schemas.microsoft.com/office/powerpoint/2010/main" val="157128827"/>
       </p:ext>
     </p:extLst>
   </p:cSld>
@@ -4547,7 +4599,7 @@
           <p:cNvPr id="2" name="Title 1">
             <a:extLst>
               <a:ext uri="{FF2B5EF4-FFF2-40B4-BE49-F238E27FC236}">
-                <a16:creationId xmlns:a16="http://schemas.microsoft.com/office/drawing/2014/main" id="{FEA381FD-0A47-564A-8B61-A29DB4E799A7}"/>
+                <a16:creationId xmlns:a16="http://schemas.microsoft.com/office/drawing/2014/main" id="{0A9FB5F0-05F9-CB44-BEBD-58A7668C94FA}"/>
               </a:ext>
             </a:extLst>
           </p:cNvPr>
@@ -4560,7 +4612,7 @@
         </p:nvSpPr>
         <p:spPr>
           <a:xfrm>
-            <a:off x="2231136" y="319923"/>
+            <a:off x="2231136" y="167523"/>
             <a:ext cx="7729728" cy="1188720"/>
           </a:xfrm>
         </p:spPr>
@@ -4570,22 +4622,17 @@
           <a:p>
             <a:r>
               <a:rPr lang="en-US" dirty="0"/>
-              <a:t>Git &amp; </a:t>
-            </a:r>
-            <a:r>
-              <a:rPr lang="en-US" dirty="0" err="1"/>
-              <a:t>github</a:t>
-            </a:r>
-            <a:endParaRPr lang="en-US" dirty="0"/>
+              <a:t>Cucumber</a:t>
+            </a:r>
           </a:p>
         </p:txBody>
       </p:sp>
       <p:pic>
         <p:nvPicPr>
-          <p:cNvPr id="5" name="Content Placeholder 4" descr="Graphical user interface, text, email, website&#10;&#10;Description automatically generated">
+          <p:cNvPr id="13" name="Content Placeholder 12" descr="Text&#10;&#10;Description automatically generated">
             <a:extLst>
               <a:ext uri="{FF2B5EF4-FFF2-40B4-BE49-F238E27FC236}">
-                <a16:creationId xmlns:a16="http://schemas.microsoft.com/office/drawing/2014/main" id="{B54407C2-6D1F-EC47-80E0-D6FF1F8F0ABE}"/>
+                <a16:creationId xmlns:a16="http://schemas.microsoft.com/office/drawing/2014/main" id="{BE208482-BAD2-8043-B503-1E81D0830E34}"/>
               </a:ext>
             </a:extLst>
           </p:cNvPr>
@@ -4604,17 +4651,17 @@
         </p:blipFill>
         <p:spPr>
           <a:xfrm>
-            <a:off x="484707" y="1606793"/>
-            <a:ext cx="8760739" cy="4319913"/>
+            <a:off x="93785" y="1489563"/>
+            <a:ext cx="6224953" cy="3322109"/>
           </a:xfrm>
         </p:spPr>
       </p:pic>
       <p:pic>
         <p:nvPicPr>
-          <p:cNvPr id="7" name="Picture 6" descr="Text&#10;&#10;Description automatically generated">
+          <p:cNvPr id="15" name="Picture 14" descr="Text&#10;&#10;Description automatically generated">
             <a:extLst>
               <a:ext uri="{FF2B5EF4-FFF2-40B4-BE49-F238E27FC236}">
-                <a16:creationId xmlns:a16="http://schemas.microsoft.com/office/drawing/2014/main" id="{DDC9BAAD-F768-1644-AEC8-114E6DC41437}"/>
+                <a16:creationId xmlns:a16="http://schemas.microsoft.com/office/drawing/2014/main" id="{CB7A8194-7F15-9249-8FDD-77E29029A56C}"/>
               </a:ext>
             </a:extLst>
           </p:cNvPr>
@@ -4631,8 +4678,38 @@
         </p:blipFill>
         <p:spPr>
           <a:xfrm>
-            <a:off x="5637344" y="3031588"/>
-            <a:ext cx="6419036" cy="3610708"/>
+            <a:off x="5833390" y="1593606"/>
+            <a:ext cx="6264825" cy="3774831"/>
+          </a:xfrm>
+          <a:prstGeom prst="rect">
+            <a:avLst/>
+          </a:prstGeom>
+        </p:spPr>
+      </p:pic>
+      <p:pic>
+        <p:nvPicPr>
+          <p:cNvPr id="17" name="Picture 16" descr="Graphical user interface, text&#10;&#10;Description automatically generated">
+            <a:extLst>
+              <a:ext uri="{FF2B5EF4-FFF2-40B4-BE49-F238E27FC236}">
+                <a16:creationId xmlns:a16="http://schemas.microsoft.com/office/drawing/2014/main" id="{6B564515-D59C-0349-88A9-5815A3E815EE}"/>
+              </a:ext>
+            </a:extLst>
+          </p:cNvPr>
+          <p:cNvPicPr>
+            <a:picLocks noChangeAspect="1"/>
+          </p:cNvPicPr>
+          <p:nvPr/>
+        </p:nvPicPr>
+        <p:blipFill>
+          <a:blip r:embed="rId4"/>
+          <a:stretch>
+            <a:fillRect/>
+          </a:stretch>
+        </p:blipFill>
+        <p:spPr>
+          <a:xfrm>
+            <a:off x="363414" y="4594803"/>
+            <a:ext cx="10480431" cy="2140369"/>
           </a:xfrm>
           <a:prstGeom prst="rect">
             <a:avLst/>
@@ -4642,7 +4719,7 @@
     </p:spTree>
     <p:extLst>
       <p:ext uri="{BB962C8B-B14F-4D97-AF65-F5344CB8AC3E}">
-        <p14:creationId xmlns:p14="http://schemas.microsoft.com/office/powerpoint/2010/main" val="1592836162"/>
+        <p14:creationId xmlns:p14="http://schemas.microsoft.com/office/powerpoint/2010/main" val="1147286376"/>
       </p:ext>
     </p:extLst>
   </p:cSld>
@@ -4674,7 +4751,7 @@
           <p:cNvPr id="2" name="Title 1">
             <a:extLst>
               <a:ext uri="{FF2B5EF4-FFF2-40B4-BE49-F238E27FC236}">
-                <a16:creationId xmlns:a16="http://schemas.microsoft.com/office/drawing/2014/main" id="{83453D54-CBB0-5C43-9B96-3FCC15C06B15}"/>
+                <a16:creationId xmlns:a16="http://schemas.microsoft.com/office/drawing/2014/main" id="{FEA381FD-0A47-564A-8B61-A29DB4E799A7}"/>
               </a:ext>
             </a:extLst>
           </p:cNvPr>
@@ -4685,24 +4762,34 @@
             <p:ph type="title"/>
           </p:nvPr>
         </p:nvSpPr>
-        <p:spPr/>
+        <p:spPr>
+          <a:xfrm>
+            <a:off x="2231136" y="319923"/>
+            <a:ext cx="7729728" cy="1188720"/>
+          </a:xfrm>
+        </p:spPr>
         <p:txBody>
           <a:bodyPr/>
           <a:lstStyle/>
           <a:p>
             <a:r>
               <a:rPr lang="en-US" dirty="0"/>
-              <a:t>Git actions</a:t>
-            </a:r>
+              <a:t>Git &amp; </a:t>
+            </a:r>
+            <a:r>
+              <a:rPr lang="en-US" dirty="0" err="1"/>
+              <a:t>github</a:t>
+            </a:r>
+            <a:endParaRPr lang="en-US" dirty="0"/>
           </a:p>
         </p:txBody>
       </p:sp>
       <p:pic>
         <p:nvPicPr>
-          <p:cNvPr id="5" name="Content Placeholder 4" descr="Graphical user interface, application, email&#10;&#10;Description automatically generated">
+          <p:cNvPr id="5" name="Content Placeholder 4" descr="Graphical user interface, text, email, website&#10;&#10;Description automatically generated">
             <a:extLst>
               <a:ext uri="{FF2B5EF4-FFF2-40B4-BE49-F238E27FC236}">
-                <a16:creationId xmlns:a16="http://schemas.microsoft.com/office/drawing/2014/main" id="{8EF82F8B-F4D6-6A4A-80B1-D241F4051F1B}"/>
+                <a16:creationId xmlns:a16="http://schemas.microsoft.com/office/drawing/2014/main" id="{B54407C2-6D1F-EC47-80E0-D6FF1F8F0ABE}"/>
               </a:ext>
             </a:extLst>
           </p:cNvPr>
@@ -4721,17 +4808,17 @@
         </p:blipFill>
         <p:spPr>
           <a:xfrm>
-            <a:off x="363415" y="2388207"/>
-            <a:ext cx="6342186" cy="4024316"/>
+            <a:off x="484707" y="1606793"/>
+            <a:ext cx="8760739" cy="4319913"/>
           </a:xfrm>
         </p:spPr>
       </p:pic>
       <p:pic>
         <p:nvPicPr>
-          <p:cNvPr id="7" name="Picture 6" descr="Graphical user interface, application&#10;&#10;Description automatically generated">
+          <p:cNvPr id="7" name="Picture 6" descr="Text&#10;&#10;Description automatically generated">
             <a:extLst>
               <a:ext uri="{FF2B5EF4-FFF2-40B4-BE49-F238E27FC236}">
-                <a16:creationId xmlns:a16="http://schemas.microsoft.com/office/drawing/2014/main" id="{F11F7A5A-755C-6C4B-B892-D5D3ACA6E71F}"/>
+                <a16:creationId xmlns:a16="http://schemas.microsoft.com/office/drawing/2014/main" id="{DDC9BAAD-F768-1644-AEC8-114E6DC41437}"/>
               </a:ext>
             </a:extLst>
           </p:cNvPr>
@@ -4740,15 +4827,16 @@
           </p:cNvPicPr>
           <p:nvPr/>
         </p:nvPicPr>
-        <p:blipFill rotWithShape="1">
+        <p:blipFill>
           <a:blip r:embed="rId3"/>
-          <a:srcRect l="26770" t="2947"/>
-          <a:stretch/>
+          <a:stretch>
+            <a:fillRect/>
+          </a:stretch>
         </p:blipFill>
         <p:spPr>
           <a:xfrm>
-            <a:off x="5978769" y="2499431"/>
-            <a:ext cx="6025662" cy="3913092"/>
+            <a:off x="5637344" y="3031588"/>
+            <a:ext cx="6419036" cy="3610708"/>
           </a:xfrm>
           <a:prstGeom prst="rect">
             <a:avLst/>
@@ -4758,7 +4846,7 @@
     </p:spTree>
     <p:extLst>
       <p:ext uri="{BB962C8B-B14F-4D97-AF65-F5344CB8AC3E}">
-        <p14:creationId xmlns:p14="http://schemas.microsoft.com/office/powerpoint/2010/main" val="1188244670"/>
+        <p14:creationId xmlns:p14="http://schemas.microsoft.com/office/powerpoint/2010/main" val="1592836162"/>
       </p:ext>
     </p:extLst>
   </p:cSld>

--- a/SpringbootPresentation.pptx
+++ b/SpringbootPresentation.pptx
@@ -4065,6 +4065,36 @@
           </a:prstGeom>
         </p:spPr>
       </p:pic>
+      <p:pic>
+        <p:nvPicPr>
+          <p:cNvPr id="18" name="Picture 17" descr="Graphical user interface, text, application&#10;&#10;Description automatically generated">
+            <a:extLst>
+              <a:ext uri="{FF2B5EF4-FFF2-40B4-BE49-F238E27FC236}">
+                <a16:creationId xmlns:a16="http://schemas.microsoft.com/office/drawing/2014/main" id="{EAA49CEC-7168-2A44-9E11-79FDDE79CD6E}"/>
+              </a:ext>
+            </a:extLst>
+          </p:cNvPr>
+          <p:cNvPicPr>
+            <a:picLocks noChangeAspect="1"/>
+          </p:cNvPicPr>
+          <p:nvPr/>
+        </p:nvPicPr>
+        <p:blipFill>
+          <a:blip r:embed="rId4"/>
+          <a:stretch>
+            <a:fillRect/>
+          </a:stretch>
+        </p:blipFill>
+        <p:spPr>
+          <a:xfrm>
+            <a:off x="4853746" y="3071446"/>
+            <a:ext cx="3086437" cy="1936303"/>
+          </a:xfrm>
+          <a:prstGeom prst="rect">
+            <a:avLst/>
+          </a:prstGeom>
+        </p:spPr>
+      </p:pic>
     </p:spTree>
     <p:extLst>
       <p:ext uri="{BB962C8B-B14F-4D97-AF65-F5344CB8AC3E}">
